--- a/sourceFile/Project_Final/팀프로젝트_순서도.pptx
+++ b/sourceFile/Project_Final/팀프로젝트_순서도.pptx
@@ -262,7 +262,7 @@
           <a:p>
             <a:fld id="{1EA5F87C-6888-48AE-A515-9F02947AF35E}" type="datetimeFigureOut">
               <a:rPr lang="ko-KR" altLang="en-US" smtClean="0"/>
-              <a:t>2018-06-03</a:t>
+              <a:t>2018-06-19</a:t>
             </a:fld>
             <a:endParaRPr lang="ko-KR" altLang="en-US"/>
           </a:p>
@@ -460,7 +460,7 @@
           <a:p>
             <a:fld id="{1EA5F87C-6888-48AE-A515-9F02947AF35E}" type="datetimeFigureOut">
               <a:rPr lang="ko-KR" altLang="en-US" smtClean="0"/>
-              <a:t>2018-06-03</a:t>
+              <a:t>2018-06-19</a:t>
             </a:fld>
             <a:endParaRPr lang="ko-KR" altLang="en-US"/>
           </a:p>
@@ -668,7 +668,7 @@
           <a:p>
             <a:fld id="{1EA5F87C-6888-48AE-A515-9F02947AF35E}" type="datetimeFigureOut">
               <a:rPr lang="ko-KR" altLang="en-US" smtClean="0"/>
-              <a:t>2018-06-03</a:t>
+              <a:t>2018-06-19</a:t>
             </a:fld>
             <a:endParaRPr lang="ko-KR" altLang="en-US"/>
           </a:p>
@@ -866,7 +866,7 @@
           <a:p>
             <a:fld id="{1EA5F87C-6888-48AE-A515-9F02947AF35E}" type="datetimeFigureOut">
               <a:rPr lang="ko-KR" altLang="en-US" smtClean="0"/>
-              <a:t>2018-06-03</a:t>
+              <a:t>2018-06-19</a:t>
             </a:fld>
             <a:endParaRPr lang="ko-KR" altLang="en-US"/>
           </a:p>
@@ -1141,7 +1141,7 @@
           <a:p>
             <a:fld id="{1EA5F87C-6888-48AE-A515-9F02947AF35E}" type="datetimeFigureOut">
               <a:rPr lang="ko-KR" altLang="en-US" smtClean="0"/>
-              <a:t>2018-06-03</a:t>
+              <a:t>2018-06-19</a:t>
             </a:fld>
             <a:endParaRPr lang="ko-KR" altLang="en-US"/>
           </a:p>
@@ -1406,7 +1406,7 @@
           <a:p>
             <a:fld id="{1EA5F87C-6888-48AE-A515-9F02947AF35E}" type="datetimeFigureOut">
               <a:rPr lang="ko-KR" altLang="en-US" smtClean="0"/>
-              <a:t>2018-06-03</a:t>
+              <a:t>2018-06-19</a:t>
             </a:fld>
             <a:endParaRPr lang="ko-KR" altLang="en-US"/>
           </a:p>
@@ -1818,7 +1818,7 @@
           <a:p>
             <a:fld id="{1EA5F87C-6888-48AE-A515-9F02947AF35E}" type="datetimeFigureOut">
               <a:rPr lang="ko-KR" altLang="en-US" smtClean="0"/>
-              <a:t>2018-06-03</a:t>
+              <a:t>2018-06-19</a:t>
             </a:fld>
             <a:endParaRPr lang="ko-KR" altLang="en-US"/>
           </a:p>
@@ -1959,7 +1959,7 @@
           <a:p>
             <a:fld id="{1EA5F87C-6888-48AE-A515-9F02947AF35E}" type="datetimeFigureOut">
               <a:rPr lang="ko-KR" altLang="en-US" smtClean="0"/>
-              <a:t>2018-06-03</a:t>
+              <a:t>2018-06-19</a:t>
             </a:fld>
             <a:endParaRPr lang="ko-KR" altLang="en-US"/>
           </a:p>
@@ -2072,7 +2072,7 @@
           <a:p>
             <a:fld id="{1EA5F87C-6888-48AE-A515-9F02947AF35E}" type="datetimeFigureOut">
               <a:rPr lang="ko-KR" altLang="en-US" smtClean="0"/>
-              <a:t>2018-06-03</a:t>
+              <a:t>2018-06-19</a:t>
             </a:fld>
             <a:endParaRPr lang="ko-KR" altLang="en-US"/>
           </a:p>
@@ -2383,7 +2383,7 @@
           <a:p>
             <a:fld id="{1EA5F87C-6888-48AE-A515-9F02947AF35E}" type="datetimeFigureOut">
               <a:rPr lang="ko-KR" altLang="en-US" smtClean="0"/>
-              <a:t>2018-06-03</a:t>
+              <a:t>2018-06-19</a:t>
             </a:fld>
             <a:endParaRPr lang="ko-KR" altLang="en-US"/>
           </a:p>
@@ -2671,7 +2671,7 @@
           <a:p>
             <a:fld id="{1EA5F87C-6888-48AE-A515-9F02947AF35E}" type="datetimeFigureOut">
               <a:rPr lang="ko-KR" altLang="en-US" smtClean="0"/>
-              <a:t>2018-06-03</a:t>
+              <a:t>2018-06-19</a:t>
             </a:fld>
             <a:endParaRPr lang="ko-KR" altLang="en-US"/>
           </a:p>
@@ -2912,7 +2912,7 @@
           <a:p>
             <a:fld id="{1EA5F87C-6888-48AE-A515-9F02947AF35E}" type="datetimeFigureOut">
               <a:rPr lang="ko-KR" altLang="en-US" smtClean="0"/>
-              <a:t>2018-06-03</a:t>
+              <a:t>2018-06-19</a:t>
             </a:fld>
             <a:endParaRPr lang="ko-KR" altLang="en-US"/>
           </a:p>
@@ -5486,7 +5486,7 @@
         </p:nvGrpSpPr>
         <p:grpSpPr>
           <a:xfrm>
-            <a:off x="406388" y="880522"/>
+            <a:off x="1958351" y="1174136"/>
             <a:ext cx="3129456" cy="3902479"/>
             <a:chOff x="3710872" y="595148"/>
             <a:chExt cx="3129456" cy="4099077"/>
@@ -5708,7 +5708,7 @@
         </p:nvGrpSpPr>
         <p:grpSpPr>
           <a:xfrm>
-            <a:off x="4152765" y="880520"/>
+            <a:off x="5704728" y="1174134"/>
             <a:ext cx="3129457" cy="3902479"/>
             <a:chOff x="3710871" y="595148"/>
             <a:chExt cx="3129457" cy="4099077"/>
@@ -5963,228 +5963,6 @@
           </p:txBody>
         </p:sp>
       </p:grpSp>
-      <p:grpSp>
-        <p:nvGrpSpPr>
-          <p:cNvPr id="20" name="그룹 19">
-            <a:extLst>
-              <a:ext uri="{FF2B5EF4-FFF2-40B4-BE49-F238E27FC236}">
-                <a16:creationId xmlns:a16="http://schemas.microsoft.com/office/drawing/2014/main" id="{72EE0F71-3ED3-44B6-B4DC-C6BB875A7545}"/>
-              </a:ext>
-            </a:extLst>
-          </p:cNvPr>
-          <p:cNvGrpSpPr/>
-          <p:nvPr/>
-        </p:nvGrpSpPr>
-        <p:grpSpPr>
-          <a:xfrm>
-            <a:off x="7899144" y="880521"/>
-            <a:ext cx="3129457" cy="3902479"/>
-            <a:chOff x="3710871" y="595148"/>
-            <a:chExt cx="3129457" cy="4099077"/>
-          </a:xfrm>
-        </p:grpSpPr>
-        <p:grpSp>
-          <p:nvGrpSpPr>
-            <p:cNvPr id="21" name="그룹 20">
-              <a:extLst>
-                <a:ext uri="{FF2B5EF4-FFF2-40B4-BE49-F238E27FC236}">
-                  <a16:creationId xmlns:a16="http://schemas.microsoft.com/office/drawing/2014/main" id="{A9BCBDE8-B2EC-43EC-93E1-A2F8D2BC662B}"/>
-                </a:ext>
-              </a:extLst>
-            </p:cNvPr>
-            <p:cNvGrpSpPr/>
-            <p:nvPr/>
-          </p:nvGrpSpPr>
-          <p:grpSpPr>
-            <a:xfrm>
-              <a:off x="3710871" y="595148"/>
-              <a:ext cx="3129457" cy="4099077"/>
-              <a:chOff x="3403443" y="1332186"/>
-              <a:chExt cx="3129457" cy="4611414"/>
-            </a:xfrm>
-          </p:grpSpPr>
-          <p:sp>
-            <p:nvSpPr>
-              <p:cNvPr id="25" name="직사각형 24">
-                <a:extLst>
-                  <a:ext uri="{FF2B5EF4-FFF2-40B4-BE49-F238E27FC236}">
-                    <a16:creationId xmlns:a16="http://schemas.microsoft.com/office/drawing/2014/main" id="{BD51E5CD-CF83-48E5-B858-30FD24F5DBF3}"/>
-                  </a:ext>
-                </a:extLst>
-              </p:cNvPr>
-              <p:cNvSpPr/>
-              <p:nvPr/>
-            </p:nvSpPr>
-            <p:spPr>
-              <a:xfrm>
-                <a:off x="3403444" y="1332186"/>
-                <a:ext cx="3129456" cy="4611414"/>
-              </a:xfrm>
-              <a:prstGeom prst="rect">
-                <a:avLst/>
-              </a:prstGeom>
-            </p:spPr>
-            <p:style>
-              <a:lnRef idx="2">
-                <a:schemeClr val="accent5">
-                  <a:shade val="50000"/>
-                </a:schemeClr>
-              </a:lnRef>
-              <a:fillRef idx="1">
-                <a:schemeClr val="accent5"/>
-              </a:fillRef>
-              <a:effectRef idx="0">
-                <a:schemeClr val="accent5"/>
-              </a:effectRef>
-              <a:fontRef idx="minor">
-                <a:schemeClr val="lt1"/>
-              </a:fontRef>
-            </p:style>
-            <p:txBody>
-              <a:bodyPr rtlCol="0" anchor="ctr"/>
-              <a:lstStyle/>
-              <a:p>
-                <a:pPr algn="ctr"/>
-                <a:endParaRPr lang="en-US" altLang="ko-KR" dirty="0"/>
-              </a:p>
-            </p:txBody>
-          </p:sp>
-          <p:sp>
-            <p:nvSpPr>
-              <p:cNvPr id="26" name="TextBox 25">
-                <a:extLst>
-                  <a:ext uri="{FF2B5EF4-FFF2-40B4-BE49-F238E27FC236}">
-                    <a16:creationId xmlns:a16="http://schemas.microsoft.com/office/drawing/2014/main" id="{90ACDF26-4439-4027-A9B4-9279AA98FE98}"/>
-                  </a:ext>
-                </a:extLst>
-              </p:cNvPr>
-              <p:cNvSpPr txBox="1"/>
-              <p:nvPr/>
-            </p:nvSpPr>
-            <p:spPr>
-              <a:xfrm>
-                <a:off x="3403443" y="1443773"/>
-                <a:ext cx="3129456" cy="436426"/>
-              </a:xfrm>
-              <a:prstGeom prst="rect">
-                <a:avLst/>
-              </a:prstGeom>
-              <a:noFill/>
-            </p:spPr>
-            <p:txBody>
-              <a:bodyPr wrap="square" rtlCol="0">
-                <a:spAutoFit/>
-              </a:bodyPr>
-              <a:lstStyle/>
-              <a:p>
-                <a:pPr algn="ctr"/>
-                <a:r>
-                  <a:rPr lang="ko-KR" altLang="en-US" dirty="0">
-                    <a:solidFill>
-                      <a:schemeClr val="bg1"/>
-                    </a:solidFill>
-                  </a:rPr>
-                  <a:t>체력 및 게임종료 쓰레드</a:t>
-                </a:r>
-              </a:p>
-            </p:txBody>
-          </p:sp>
-        </p:grpSp>
-        <p:sp>
-          <p:nvSpPr>
-            <p:cNvPr id="22" name="직사각형 21">
-              <a:extLst>
-                <a:ext uri="{FF2B5EF4-FFF2-40B4-BE49-F238E27FC236}">
-                  <a16:creationId xmlns:a16="http://schemas.microsoft.com/office/drawing/2014/main" id="{E750E725-9B61-4059-80A3-06C2932F7E4C}"/>
-                </a:ext>
-              </a:extLst>
-            </p:cNvPr>
-            <p:cNvSpPr/>
-            <p:nvPr/>
-          </p:nvSpPr>
-          <p:spPr>
-            <a:xfrm>
-              <a:off x="4018299" y="1601109"/>
-              <a:ext cx="2514600" cy="890751"/>
-            </a:xfrm>
-            <a:prstGeom prst="rect">
-              <a:avLst/>
-            </a:prstGeom>
-          </p:spPr>
-          <p:style>
-            <a:lnRef idx="3">
-              <a:schemeClr val="lt1"/>
-            </a:lnRef>
-            <a:fillRef idx="1">
-              <a:schemeClr val="accent1"/>
-            </a:fillRef>
-            <a:effectRef idx="1">
-              <a:schemeClr val="accent1"/>
-            </a:effectRef>
-            <a:fontRef idx="minor">
-              <a:schemeClr val="lt1"/>
-            </a:fontRef>
-          </p:style>
-          <p:txBody>
-            <a:bodyPr rtlCol="0" anchor="ctr"/>
-            <a:lstStyle/>
-            <a:p>
-              <a:pPr algn="ctr"/>
-              <a:r>
-                <a:rPr lang="ko-KR" altLang="en-US" dirty="0"/>
-                <a:t>체력 상태 출력</a:t>
-              </a:r>
-            </a:p>
-          </p:txBody>
-        </p:sp>
-        <p:sp>
-          <p:nvSpPr>
-            <p:cNvPr id="23" name="직사각형 22">
-              <a:extLst>
-                <a:ext uri="{FF2B5EF4-FFF2-40B4-BE49-F238E27FC236}">
-                  <a16:creationId xmlns:a16="http://schemas.microsoft.com/office/drawing/2014/main" id="{9B80A6F5-BBAE-4017-87FB-B6CF4ADFE68D}"/>
-                </a:ext>
-              </a:extLst>
-            </p:cNvPr>
-            <p:cNvSpPr/>
-            <p:nvPr/>
-          </p:nvSpPr>
-          <p:spPr>
-            <a:xfrm>
-              <a:off x="4018299" y="2929640"/>
-              <a:ext cx="2514600" cy="890751"/>
-            </a:xfrm>
-            <a:prstGeom prst="rect">
-              <a:avLst/>
-            </a:prstGeom>
-          </p:spPr>
-          <p:style>
-            <a:lnRef idx="3">
-              <a:schemeClr val="lt1"/>
-            </a:lnRef>
-            <a:fillRef idx="1">
-              <a:schemeClr val="accent1"/>
-            </a:fillRef>
-            <a:effectRef idx="1">
-              <a:schemeClr val="accent1"/>
-            </a:effectRef>
-            <a:fontRef idx="minor">
-              <a:schemeClr val="lt1"/>
-            </a:fontRef>
-          </p:style>
-          <p:txBody>
-            <a:bodyPr rtlCol="0" anchor="ctr"/>
-            <a:lstStyle/>
-            <a:p>
-              <a:pPr algn="ctr"/>
-              <a:r>
-                <a:rPr lang="ko-KR" altLang="en-US" dirty="0"/>
-                <a:t>게임 패배 여부 확인</a:t>
-              </a:r>
-            </a:p>
-          </p:txBody>
-        </p:sp>
-      </p:grpSp>
       <p:cxnSp>
         <p:nvCxnSpPr>
           <p:cNvPr id="28" name="직선 화살표 연결선 27">
@@ -6202,51 +5980,8 @@
         </p:nvCxnSpPr>
         <p:spPr>
           <a:xfrm flipV="1">
-            <a:off x="3535844" y="2831760"/>
+            <a:off x="5087807" y="3125374"/>
             <a:ext cx="616922" cy="2"/>
-          </a:xfrm>
-          <a:prstGeom prst="straightConnector1">
-            <a:avLst/>
-          </a:prstGeom>
-          <a:ln>
-            <a:headEnd type="triangle"/>
-            <a:tailEnd type="triangle"/>
-          </a:ln>
-        </p:spPr>
-        <p:style>
-          <a:lnRef idx="3">
-            <a:schemeClr val="accent1"/>
-          </a:lnRef>
-          <a:fillRef idx="0">
-            <a:schemeClr val="accent1"/>
-          </a:fillRef>
-          <a:effectRef idx="2">
-            <a:schemeClr val="accent1"/>
-          </a:effectRef>
-          <a:fontRef idx="minor">
-            <a:schemeClr val="tx1"/>
-          </a:fontRef>
-        </p:style>
-      </p:cxnSp>
-      <p:cxnSp>
-        <p:nvCxnSpPr>
-          <p:cNvPr id="30" name="직선 화살표 연결선 29">
-            <a:extLst>
-              <a:ext uri="{FF2B5EF4-FFF2-40B4-BE49-F238E27FC236}">
-                <a16:creationId xmlns:a16="http://schemas.microsoft.com/office/drawing/2014/main" id="{1C107274-80DF-4641-9A62-4DABEBB94611}"/>
-              </a:ext>
-            </a:extLst>
-          </p:cNvPr>
-          <p:cNvCxnSpPr>
-            <a:stCxn id="18" idx="3"/>
-            <a:endCxn id="25" idx="1"/>
-          </p:cNvCxnSpPr>
-          <p:nvPr/>
-        </p:nvCxnSpPr>
-        <p:spPr>
-          <a:xfrm>
-            <a:off x="7282222" y="2831760"/>
-            <a:ext cx="616923" cy="1"/>
           </a:xfrm>
           <a:prstGeom prst="straightConnector1">
             <a:avLst/>
